--- a/Documents/WebServer project presentation.pptx
+++ b/Documents/WebServer project presentation.pptx
@@ -854,7 +854,7 @@
             <a:fld id="{B61BEF0D-F0BB-DE4B-95CE-6DB70DBA9567}" type="datetimeFigureOut">
               <a:rPr lang="en-US" dirty="0"/>
               <a:pPr/>
-              <a:t>4/25/19</a:t>
+              <a:t>4/28/19</a:t>
             </a:fld>
             <a:endParaRPr lang="en-US" dirty="0"/>
           </a:p>
@@ -1107,7 +1107,7 @@
             <a:fld id="{B61BEF0D-F0BB-DE4B-95CE-6DB70DBA9567}" type="datetimeFigureOut">
               <a:rPr lang="en-US" dirty="0"/>
               <a:pPr/>
-              <a:t>4/25/19</a:t>
+              <a:t>4/28/19</a:t>
             </a:fld>
             <a:endParaRPr lang="en-US" dirty="0"/>
           </a:p>
@@ -1428,7 +1428,7 @@
             <a:fld id="{B61BEF0D-F0BB-DE4B-95CE-6DB70DBA9567}" type="datetimeFigureOut">
               <a:rPr lang="en-US" dirty="0"/>
               <a:pPr/>
-              <a:t>4/25/19</a:t>
+              <a:t>4/28/19</a:t>
             </a:fld>
             <a:endParaRPr lang="en-US" dirty="0"/>
           </a:p>
@@ -1771,7 +1771,7 @@
             <a:fld id="{B61BEF0D-F0BB-DE4B-95CE-6DB70DBA9567}" type="datetimeFigureOut">
               <a:rPr lang="en-US" dirty="0"/>
               <a:pPr/>
-              <a:t>4/25/19</a:t>
+              <a:t>4/28/19</a:t>
             </a:fld>
             <a:endParaRPr lang="en-US" dirty="0"/>
           </a:p>
@@ -2092,7 +2092,7 @@
             <a:fld id="{B61BEF0D-F0BB-DE4B-95CE-6DB70DBA9567}" type="datetimeFigureOut">
               <a:rPr lang="en-US" dirty="0"/>
               <a:pPr/>
-              <a:t>4/25/19</a:t>
+              <a:t>4/28/19</a:t>
             </a:fld>
             <a:endParaRPr lang="en-US" dirty="0"/>
           </a:p>
@@ -2492,7 +2492,7 @@
             <a:fld id="{B61BEF0D-F0BB-DE4B-95CE-6DB70DBA9567}" type="datetimeFigureOut">
               <a:rPr lang="en-US" dirty="0"/>
               <a:pPr/>
-              <a:t>4/25/19</a:t>
+              <a:t>4/28/19</a:t>
             </a:fld>
             <a:endParaRPr lang="en-US" dirty="0"/>
           </a:p>
@@ -2634,7 +2634,7 @@
           <a:p>
             <a:fld id="{55C6B4A9-1611-4792-9094-5F34BCA07E0B}" type="datetimeFigureOut">
               <a:rPr lang="en-US" dirty="0"/>
-              <a:t>4/25/19</a:t>
+              <a:t>4/28/19</a:t>
             </a:fld>
             <a:endParaRPr lang="en-US" dirty="0"/>
           </a:p>
@@ -2786,7 +2786,7 @@
             <a:fld id="{B61BEF0D-F0BB-DE4B-95CE-6DB70DBA9567}" type="datetimeFigureOut">
               <a:rPr lang="en-US" dirty="0"/>
               <a:pPr/>
-              <a:t>4/25/19</a:t>
+              <a:t>4/28/19</a:t>
             </a:fld>
             <a:endParaRPr lang="en-US" dirty="0"/>
           </a:p>
@@ -2935,7 +2935,7 @@
             <a:fld id="{B61BEF0D-F0BB-DE4B-95CE-6DB70DBA9567}" type="datetimeFigureOut">
               <a:rPr lang="en-US" dirty="0"/>
               <a:pPr/>
-              <a:t>4/25/19</a:t>
+              <a:t>4/28/19</a:t>
             </a:fld>
             <a:endParaRPr lang="en-US" dirty="0"/>
           </a:p>
@@ -3184,7 +3184,7 @@
             <a:fld id="{B61BEF0D-F0BB-DE4B-95CE-6DB70DBA9567}" type="datetimeFigureOut">
               <a:rPr lang="en-US" dirty="0"/>
               <a:pPr/>
-              <a:t>4/25/19</a:t>
+              <a:t>4/28/19</a:t>
             </a:fld>
             <a:endParaRPr lang="en-US" dirty="0"/>
           </a:p>
@@ -3364,7 +3364,7 @@
           <a:p>
             <a:fld id="{EB712588-04B1-427B-82EE-E8DB90309F08}" type="datetimeFigureOut">
               <a:rPr lang="en-US" dirty="0"/>
-              <a:t>4/25/19</a:t>
+              <a:t>4/28/19</a:t>
             </a:fld>
             <a:endParaRPr lang="en-US" dirty="0"/>
           </a:p>
@@ -3696,7 +3696,7 @@
             <a:fld id="{B61BEF0D-F0BB-DE4B-95CE-6DB70DBA9567}" type="datetimeFigureOut">
               <a:rPr lang="en-US" dirty="0"/>
               <a:pPr/>
-              <a:t>4/25/19</a:t>
+              <a:t>4/28/19</a:t>
             </a:fld>
             <a:endParaRPr lang="en-US" dirty="0"/>
           </a:p>
@@ -3816,7 +3816,7 @@
             <a:fld id="{B61BEF0D-F0BB-DE4B-95CE-6DB70DBA9567}" type="datetimeFigureOut">
               <a:rPr lang="en-US" dirty="0"/>
               <a:pPr/>
-              <a:t>4/25/19</a:t>
+              <a:t>4/28/19</a:t>
             </a:fld>
             <a:endParaRPr lang="en-US" dirty="0"/>
           </a:p>
@@ -3908,7 +3908,7 @@
             <a:fld id="{B61BEF0D-F0BB-DE4B-95CE-6DB70DBA9567}" type="datetimeFigureOut">
               <a:rPr lang="en-US" dirty="0"/>
               <a:pPr/>
-              <a:t>4/25/19</a:t>
+              <a:t>4/28/19</a:t>
             </a:fld>
             <a:endParaRPr lang="en-US" dirty="0"/>
           </a:p>
@@ -4140,7 +4140,7 @@
           <a:p>
             <a:fld id="{42A54C80-263E-416B-A8E0-580EDEADCBDC}" type="datetimeFigureOut">
               <a:rPr lang="en-US" dirty="0"/>
-              <a:t>4/25/19</a:t>
+              <a:t>4/28/19</a:t>
             </a:fld>
             <a:endParaRPr lang="en-US" dirty="0"/>
           </a:p>
@@ -4404,7 +4404,7 @@
             <a:fld id="{B61BEF0D-F0BB-DE4B-95CE-6DB70DBA9567}" type="datetimeFigureOut">
               <a:rPr lang="en-US" dirty="0"/>
               <a:pPr/>
-              <a:t>4/25/19</a:t>
+              <a:t>4/28/19</a:t>
             </a:fld>
             <a:endParaRPr lang="en-US" dirty="0"/>
           </a:p>
@@ -5120,7 +5120,7 @@
             <a:fld id="{B61BEF0D-F0BB-DE4B-95CE-6DB70DBA9567}" type="datetimeFigureOut">
               <a:rPr lang="en-US" dirty="0"/>
               <a:pPr/>
-              <a:t>4/25/19</a:t>
+              <a:t>4/28/19</a:t>
             </a:fld>
             <a:endParaRPr lang="en-US" dirty="0"/>
           </a:p>
@@ -6992,21 +6992,8 @@
                   <a:srgbClr val="005DA1"/>
                 </a:solidFill>
               </a:rPr>
-              <a:t>C</a:t>
-            </a:r>
-            <a:r>
-              <a:rPr lang="ru-RU" i="1" dirty="0" err="1">
-                <a:solidFill>
-                  <a:srgbClr val="005DA1"/>
-                </a:solidFill>
-              </a:rPr>
-              <a:t>opy</a:t>
-            </a:r>
-            <a:endParaRPr lang="en-US" i="1" dirty="0">
-              <a:solidFill>
-                <a:srgbClr val="005DA1"/>
-              </a:solidFill>
-            </a:endParaRPr>
+              <a:t>json</a:t>
+            </a:r>
           </a:p>
         </p:txBody>
       </p:sp>

--- a/Documents/WebServer project presentation.pptx
+++ b/Documents/WebServer project presentation.pptx
@@ -854,7 +854,7 @@
             <a:fld id="{B61BEF0D-F0BB-DE4B-95CE-6DB70DBA9567}" type="datetimeFigureOut">
               <a:rPr lang="en-US" dirty="0"/>
               <a:pPr/>
-              <a:t>4/28/19</a:t>
+              <a:t>4/29/19</a:t>
             </a:fld>
             <a:endParaRPr lang="en-US" dirty="0"/>
           </a:p>
@@ -1107,7 +1107,7 @@
             <a:fld id="{B61BEF0D-F0BB-DE4B-95CE-6DB70DBA9567}" type="datetimeFigureOut">
               <a:rPr lang="en-US" dirty="0"/>
               <a:pPr/>
-              <a:t>4/28/19</a:t>
+              <a:t>4/29/19</a:t>
             </a:fld>
             <a:endParaRPr lang="en-US" dirty="0"/>
           </a:p>
@@ -1428,7 +1428,7 @@
             <a:fld id="{B61BEF0D-F0BB-DE4B-95CE-6DB70DBA9567}" type="datetimeFigureOut">
               <a:rPr lang="en-US" dirty="0"/>
               <a:pPr/>
-              <a:t>4/28/19</a:t>
+              <a:t>4/29/19</a:t>
             </a:fld>
             <a:endParaRPr lang="en-US" dirty="0"/>
           </a:p>
@@ -1771,7 +1771,7 @@
             <a:fld id="{B61BEF0D-F0BB-DE4B-95CE-6DB70DBA9567}" type="datetimeFigureOut">
               <a:rPr lang="en-US" dirty="0"/>
               <a:pPr/>
-              <a:t>4/28/19</a:t>
+              <a:t>4/29/19</a:t>
             </a:fld>
             <a:endParaRPr lang="en-US" dirty="0"/>
           </a:p>
@@ -2092,7 +2092,7 @@
             <a:fld id="{B61BEF0D-F0BB-DE4B-95CE-6DB70DBA9567}" type="datetimeFigureOut">
               <a:rPr lang="en-US" dirty="0"/>
               <a:pPr/>
-              <a:t>4/28/19</a:t>
+              <a:t>4/29/19</a:t>
             </a:fld>
             <a:endParaRPr lang="en-US" dirty="0"/>
           </a:p>
@@ -2492,7 +2492,7 @@
             <a:fld id="{B61BEF0D-F0BB-DE4B-95CE-6DB70DBA9567}" type="datetimeFigureOut">
               <a:rPr lang="en-US" dirty="0"/>
               <a:pPr/>
-              <a:t>4/28/19</a:t>
+              <a:t>4/29/19</a:t>
             </a:fld>
             <a:endParaRPr lang="en-US" dirty="0"/>
           </a:p>
@@ -2634,7 +2634,7 @@
           <a:p>
             <a:fld id="{55C6B4A9-1611-4792-9094-5F34BCA07E0B}" type="datetimeFigureOut">
               <a:rPr lang="en-US" dirty="0"/>
-              <a:t>4/28/19</a:t>
+              <a:t>4/29/19</a:t>
             </a:fld>
             <a:endParaRPr lang="en-US" dirty="0"/>
           </a:p>
@@ -2786,7 +2786,7 @@
             <a:fld id="{B61BEF0D-F0BB-DE4B-95CE-6DB70DBA9567}" type="datetimeFigureOut">
               <a:rPr lang="en-US" dirty="0"/>
               <a:pPr/>
-              <a:t>4/28/19</a:t>
+              <a:t>4/29/19</a:t>
             </a:fld>
             <a:endParaRPr lang="en-US" dirty="0"/>
           </a:p>
@@ -2935,7 +2935,7 @@
             <a:fld id="{B61BEF0D-F0BB-DE4B-95CE-6DB70DBA9567}" type="datetimeFigureOut">
               <a:rPr lang="en-US" dirty="0"/>
               <a:pPr/>
-              <a:t>4/28/19</a:t>
+              <a:t>4/29/19</a:t>
             </a:fld>
             <a:endParaRPr lang="en-US" dirty="0"/>
           </a:p>
@@ -3184,7 +3184,7 @@
             <a:fld id="{B61BEF0D-F0BB-DE4B-95CE-6DB70DBA9567}" type="datetimeFigureOut">
               <a:rPr lang="en-US" dirty="0"/>
               <a:pPr/>
-              <a:t>4/28/19</a:t>
+              <a:t>4/29/19</a:t>
             </a:fld>
             <a:endParaRPr lang="en-US" dirty="0"/>
           </a:p>
@@ -3364,7 +3364,7 @@
           <a:p>
             <a:fld id="{EB712588-04B1-427B-82EE-E8DB90309F08}" type="datetimeFigureOut">
               <a:rPr lang="en-US" dirty="0"/>
-              <a:t>4/28/19</a:t>
+              <a:t>4/29/19</a:t>
             </a:fld>
             <a:endParaRPr lang="en-US" dirty="0"/>
           </a:p>
@@ -3696,7 +3696,7 @@
             <a:fld id="{B61BEF0D-F0BB-DE4B-95CE-6DB70DBA9567}" type="datetimeFigureOut">
               <a:rPr lang="en-US" dirty="0"/>
               <a:pPr/>
-              <a:t>4/28/19</a:t>
+              <a:t>4/29/19</a:t>
             </a:fld>
             <a:endParaRPr lang="en-US" dirty="0"/>
           </a:p>
@@ -3816,7 +3816,7 @@
             <a:fld id="{B61BEF0D-F0BB-DE4B-95CE-6DB70DBA9567}" type="datetimeFigureOut">
               <a:rPr lang="en-US" dirty="0"/>
               <a:pPr/>
-              <a:t>4/28/19</a:t>
+              <a:t>4/29/19</a:t>
             </a:fld>
             <a:endParaRPr lang="en-US" dirty="0"/>
           </a:p>
@@ -3908,7 +3908,7 @@
             <a:fld id="{B61BEF0D-F0BB-DE4B-95CE-6DB70DBA9567}" type="datetimeFigureOut">
               <a:rPr lang="en-US" dirty="0"/>
               <a:pPr/>
-              <a:t>4/28/19</a:t>
+              <a:t>4/29/19</a:t>
             </a:fld>
             <a:endParaRPr lang="en-US" dirty="0"/>
           </a:p>
@@ -4140,7 +4140,7 @@
           <a:p>
             <a:fld id="{42A54C80-263E-416B-A8E0-580EDEADCBDC}" type="datetimeFigureOut">
               <a:rPr lang="en-US" dirty="0"/>
-              <a:t>4/28/19</a:t>
+              <a:t>4/29/19</a:t>
             </a:fld>
             <a:endParaRPr lang="en-US" dirty="0"/>
           </a:p>
@@ -4404,7 +4404,7 @@
             <a:fld id="{B61BEF0D-F0BB-DE4B-95CE-6DB70DBA9567}" type="datetimeFigureOut">
               <a:rPr lang="en-US" dirty="0"/>
               <a:pPr/>
-              <a:t>4/28/19</a:t>
+              <a:t>4/29/19</a:t>
             </a:fld>
             <a:endParaRPr lang="en-US" dirty="0"/>
           </a:p>
@@ -5120,7 +5120,7 @@
             <a:fld id="{B61BEF0D-F0BB-DE4B-95CE-6DB70DBA9567}" type="datetimeFigureOut">
               <a:rPr lang="en-US" dirty="0"/>
               <a:pPr/>
-              <a:t>4/28/19</a:t>
+              <a:t>4/29/19</a:t>
             </a:fld>
             <a:endParaRPr lang="en-US" dirty="0"/>
           </a:p>
@@ -6816,7 +6816,7 @@
         <p:spPr>
           <a:xfrm>
             <a:off x="440855" y="1616403"/>
-            <a:ext cx="4015531" cy="2031325"/>
+            <a:ext cx="4015531" cy="2585323"/>
           </a:xfrm>
           <a:prstGeom prst="rect">
             <a:avLst/>
@@ -6993,6 +6993,34 @@
                 </a:solidFill>
               </a:rPr>
               <a:t>json</a:t>
+            </a:r>
+          </a:p>
+          <a:p>
+            <a:pPr marL="285750" indent="-285750">
+              <a:buFont typeface="Arial" panose="020B0604020202020204" pitchFamily="34" charset="0"/>
+              <a:buChar char="•"/>
+            </a:pPr>
+            <a:r>
+              <a:rPr lang="en-US" i="1" dirty="0">
+                <a:solidFill>
+                  <a:srgbClr val="005DA1"/>
+                </a:solidFill>
+              </a:rPr>
+              <a:t>random</a:t>
+            </a:r>
+          </a:p>
+          <a:p>
+            <a:pPr marL="285750" indent="-285750">
+              <a:buFont typeface="Arial" panose="020B0604020202020204" pitchFamily="34" charset="0"/>
+              <a:buChar char="•"/>
+            </a:pPr>
+            <a:r>
+              <a:rPr lang="en-US" i="1" dirty="0">
+                <a:solidFill>
+                  <a:srgbClr val="005DA1"/>
+                </a:solidFill>
+              </a:rPr>
+              <a:t>logging</a:t>
             </a:r>
           </a:p>
         </p:txBody>
@@ -7128,7 +7156,7 @@
         </p:nvSpPr>
         <p:spPr>
           <a:xfrm>
-            <a:off x="440855" y="4324759"/>
+            <a:off x="440854" y="4490071"/>
             <a:ext cx="8303752" cy="923330"/>
           </a:xfrm>
           <a:prstGeom prst="rect">

--- a/Documents/WebServer project presentation.pptx
+++ b/Documents/WebServer project presentation.pptx
@@ -8,9 +8,12 @@
     <p:sldId id="256" r:id="rId2"/>
     <p:sldId id="263" r:id="rId3"/>
     <p:sldId id="257" r:id="rId4"/>
-    <p:sldId id="265" r:id="rId5"/>
-    <p:sldId id="264" r:id="rId6"/>
-    <p:sldId id="262" r:id="rId7"/>
+    <p:sldId id="266" r:id="rId5"/>
+    <p:sldId id="267" r:id="rId6"/>
+    <p:sldId id="265" r:id="rId7"/>
+    <p:sldId id="264" r:id="rId8"/>
+    <p:sldId id="268" r:id="rId9"/>
+    <p:sldId id="262" r:id="rId10"/>
   </p:sldIdLst>
   <p:sldSz cx="12192000" cy="6858000"/>
   <p:notesSz cx="6858000" cy="9144000"/>
@@ -117,8 +120,11 @@
             <p14:sldId id="256"/>
             <p14:sldId id="263"/>
             <p14:sldId id="257"/>
+            <p14:sldId id="266"/>
+            <p14:sldId id="267"/>
             <p14:sldId id="265"/>
             <p14:sldId id="264"/>
+            <p14:sldId id="268"/>
             <p14:sldId id="262"/>
           </p14:sldIdLst>
         </p14:section>
@@ -854,7 +860,7 @@
             <a:fld id="{B61BEF0D-F0BB-DE4B-95CE-6DB70DBA9567}" type="datetimeFigureOut">
               <a:rPr lang="en-US" dirty="0"/>
               <a:pPr/>
-              <a:t>4/29/19</a:t>
+              <a:t>4/30/19</a:t>
             </a:fld>
             <a:endParaRPr lang="en-US" dirty="0"/>
           </a:p>
@@ -1107,7 +1113,7 @@
             <a:fld id="{B61BEF0D-F0BB-DE4B-95CE-6DB70DBA9567}" type="datetimeFigureOut">
               <a:rPr lang="en-US" dirty="0"/>
               <a:pPr/>
-              <a:t>4/29/19</a:t>
+              <a:t>4/30/19</a:t>
             </a:fld>
             <a:endParaRPr lang="en-US" dirty="0"/>
           </a:p>
@@ -1428,7 +1434,7 @@
             <a:fld id="{B61BEF0D-F0BB-DE4B-95CE-6DB70DBA9567}" type="datetimeFigureOut">
               <a:rPr lang="en-US" dirty="0"/>
               <a:pPr/>
-              <a:t>4/29/19</a:t>
+              <a:t>4/30/19</a:t>
             </a:fld>
             <a:endParaRPr lang="en-US" dirty="0"/>
           </a:p>
@@ -1771,7 +1777,7 @@
             <a:fld id="{B61BEF0D-F0BB-DE4B-95CE-6DB70DBA9567}" type="datetimeFigureOut">
               <a:rPr lang="en-US" dirty="0"/>
               <a:pPr/>
-              <a:t>4/29/19</a:t>
+              <a:t>4/30/19</a:t>
             </a:fld>
             <a:endParaRPr lang="en-US" dirty="0"/>
           </a:p>
@@ -2092,7 +2098,7 @@
             <a:fld id="{B61BEF0D-F0BB-DE4B-95CE-6DB70DBA9567}" type="datetimeFigureOut">
               <a:rPr lang="en-US" dirty="0"/>
               <a:pPr/>
-              <a:t>4/29/19</a:t>
+              <a:t>4/30/19</a:t>
             </a:fld>
             <a:endParaRPr lang="en-US" dirty="0"/>
           </a:p>
@@ -2492,7 +2498,7 @@
             <a:fld id="{B61BEF0D-F0BB-DE4B-95CE-6DB70DBA9567}" type="datetimeFigureOut">
               <a:rPr lang="en-US" dirty="0"/>
               <a:pPr/>
-              <a:t>4/29/19</a:t>
+              <a:t>4/30/19</a:t>
             </a:fld>
             <a:endParaRPr lang="en-US" dirty="0"/>
           </a:p>
@@ -2634,7 +2640,7 @@
           <a:p>
             <a:fld id="{55C6B4A9-1611-4792-9094-5F34BCA07E0B}" type="datetimeFigureOut">
               <a:rPr lang="en-US" dirty="0"/>
-              <a:t>4/29/19</a:t>
+              <a:t>4/30/19</a:t>
             </a:fld>
             <a:endParaRPr lang="en-US" dirty="0"/>
           </a:p>
@@ -2786,7 +2792,7 @@
             <a:fld id="{B61BEF0D-F0BB-DE4B-95CE-6DB70DBA9567}" type="datetimeFigureOut">
               <a:rPr lang="en-US" dirty="0"/>
               <a:pPr/>
-              <a:t>4/29/19</a:t>
+              <a:t>4/30/19</a:t>
             </a:fld>
             <a:endParaRPr lang="en-US" dirty="0"/>
           </a:p>
@@ -2935,7 +2941,7 @@
             <a:fld id="{B61BEF0D-F0BB-DE4B-95CE-6DB70DBA9567}" type="datetimeFigureOut">
               <a:rPr lang="en-US" dirty="0"/>
               <a:pPr/>
-              <a:t>4/29/19</a:t>
+              <a:t>4/30/19</a:t>
             </a:fld>
             <a:endParaRPr lang="en-US" dirty="0"/>
           </a:p>
@@ -3184,7 +3190,7 @@
             <a:fld id="{B61BEF0D-F0BB-DE4B-95CE-6DB70DBA9567}" type="datetimeFigureOut">
               <a:rPr lang="en-US" dirty="0"/>
               <a:pPr/>
-              <a:t>4/29/19</a:t>
+              <a:t>4/30/19</a:t>
             </a:fld>
             <a:endParaRPr lang="en-US" dirty="0"/>
           </a:p>
@@ -3364,7 +3370,7 @@
           <a:p>
             <a:fld id="{EB712588-04B1-427B-82EE-E8DB90309F08}" type="datetimeFigureOut">
               <a:rPr lang="en-US" dirty="0"/>
-              <a:t>4/29/19</a:t>
+              <a:t>4/30/19</a:t>
             </a:fld>
             <a:endParaRPr lang="en-US" dirty="0"/>
           </a:p>
@@ -3696,7 +3702,7 @@
             <a:fld id="{B61BEF0D-F0BB-DE4B-95CE-6DB70DBA9567}" type="datetimeFigureOut">
               <a:rPr lang="en-US" dirty="0"/>
               <a:pPr/>
-              <a:t>4/29/19</a:t>
+              <a:t>4/30/19</a:t>
             </a:fld>
             <a:endParaRPr lang="en-US" dirty="0"/>
           </a:p>
@@ -3816,7 +3822,7 @@
             <a:fld id="{B61BEF0D-F0BB-DE4B-95CE-6DB70DBA9567}" type="datetimeFigureOut">
               <a:rPr lang="en-US" dirty="0"/>
               <a:pPr/>
-              <a:t>4/29/19</a:t>
+              <a:t>4/30/19</a:t>
             </a:fld>
             <a:endParaRPr lang="en-US" dirty="0"/>
           </a:p>
@@ -3908,7 +3914,7 @@
             <a:fld id="{B61BEF0D-F0BB-DE4B-95CE-6DB70DBA9567}" type="datetimeFigureOut">
               <a:rPr lang="en-US" dirty="0"/>
               <a:pPr/>
-              <a:t>4/29/19</a:t>
+              <a:t>4/30/19</a:t>
             </a:fld>
             <a:endParaRPr lang="en-US" dirty="0"/>
           </a:p>
@@ -4140,7 +4146,7 @@
           <a:p>
             <a:fld id="{42A54C80-263E-416B-A8E0-580EDEADCBDC}" type="datetimeFigureOut">
               <a:rPr lang="en-US" dirty="0"/>
-              <a:t>4/29/19</a:t>
+              <a:t>4/30/19</a:t>
             </a:fld>
             <a:endParaRPr lang="en-US" dirty="0"/>
           </a:p>
@@ -4404,7 +4410,7 @@
             <a:fld id="{B61BEF0D-F0BB-DE4B-95CE-6DB70DBA9567}" type="datetimeFigureOut">
               <a:rPr lang="en-US" dirty="0"/>
               <a:pPr/>
-              <a:t>4/29/19</a:t>
+              <a:t>4/30/19</a:t>
             </a:fld>
             <a:endParaRPr lang="en-US" dirty="0"/>
           </a:p>
@@ -5120,7 +5126,7 @@
             <a:fld id="{B61BEF0D-F0BB-DE4B-95CE-6DB70DBA9567}" type="datetimeFigureOut">
               <a:rPr lang="en-US" dirty="0"/>
               <a:pPr/>
-              <a:t>4/29/19</a:t>
+              <a:t>4/30/19</a:t>
             </a:fld>
             <a:endParaRPr lang="en-US" dirty="0"/>
           </a:p>
@@ -6126,44 +6132,54 @@
               <a:buNone/>
             </a:pPr>
             <a:r>
-              <a:rPr lang="ru-RU" sz="2200" dirty="0">
+              <a:rPr lang="ru-RU" sz="2200" b="1" dirty="0">
                 <a:solidFill>
                   <a:schemeClr val="accent2">
                     <a:lumMod val="75000"/>
                   </a:schemeClr>
                 </a:solidFill>
               </a:rPr>
-              <a:t>Проект представляет собой готовый интернет-сайт </a:t>
-            </a:r>
-            <a:r>
-              <a:rPr lang="ru-RU" sz="2200" b="1" dirty="0">
+              <a:t>Проект</a:t>
+            </a:r>
+            <a:r>
+              <a:rPr lang="ru-RU" sz="2200" dirty="0">
                 <a:solidFill>
                   <a:schemeClr val="accent2">
                     <a:lumMod val="75000"/>
                   </a:schemeClr>
                 </a:solidFill>
               </a:rPr>
-              <a:t>—</a:t>
-            </a:r>
-            <a:r>
-              <a:rPr lang="ru-RU" sz="2200" dirty="0">
+              <a:t> представляет собой интернет-сайт </a:t>
+            </a:r>
+            <a:r>
+              <a:rPr lang="ru-RU" sz="2200" b="1" dirty="0">
                 <a:solidFill>
                   <a:schemeClr val="accent2">
                     <a:lumMod val="75000"/>
                   </a:schemeClr>
                 </a:solidFill>
               </a:rPr>
-              <a:t> магазин электроники с серверной частью, написанной на </a:t>
-            </a:r>
-            <a:r>
-              <a:rPr lang="en-US" sz="2200" dirty="0">
+              <a:t>—</a:t>
+            </a:r>
+            <a:r>
+              <a:rPr lang="ru-RU" sz="2200" dirty="0">
                 <a:solidFill>
                   <a:schemeClr val="accent2">
                     <a:lumMod val="75000"/>
                   </a:schemeClr>
                 </a:solidFill>
               </a:rPr>
-              <a:t>Python 3.7</a:t>
+              <a:t> магазин электроники с серверной частью, написанной на </a:t>
+            </a:r>
+            <a:r>
+              <a:rPr lang="en-US" sz="2200" dirty="0">
+                <a:solidFill>
+                  <a:schemeClr val="accent2">
+                    <a:lumMod val="75000"/>
+                  </a:schemeClr>
+                </a:solidFill>
+              </a:rPr>
+              <a:t>Python</a:t>
             </a:r>
             <a:r>
               <a:rPr lang="ru-RU" sz="2200" dirty="0">
@@ -6269,8 +6285,8 @@
         </p:nvSpPr>
         <p:spPr>
           <a:xfrm>
-            <a:off x="440854" y="625704"/>
-            <a:ext cx="9039480" cy="702354"/>
+            <a:off x="440854" y="399854"/>
+            <a:ext cx="9039480" cy="1239760"/>
           </a:xfrm>
         </p:spPr>
         <p:txBody>
@@ -6283,14 +6299,24 @@
               <a:buNone/>
             </a:pPr>
             <a:r>
-              <a:rPr lang="ru-RU" sz="2200" dirty="0">
+              <a:rPr lang="ru-RU" sz="2200" b="1" dirty="0">
                 <a:solidFill>
                   <a:schemeClr val="accent2">
                     <a:lumMod val="75000"/>
                   </a:schemeClr>
                 </a:solidFill>
               </a:rPr>
-              <a:t>Простой и понятный интерфейс.</a:t>
+              <a:t>Идея</a:t>
+            </a:r>
+            <a:r>
+              <a:rPr lang="ru-RU" sz="2200" dirty="0">
+                <a:solidFill>
+                  <a:schemeClr val="accent2">
+                    <a:lumMod val="75000"/>
+                  </a:schemeClr>
+                </a:solidFill>
+              </a:rPr>
+              <a:t>: создать полноценный интернет-магазин с простым и понятным интерфейсом, удобной навигацией как для пользователей, так и для администратора.</a:t>
             </a:r>
           </a:p>
         </p:txBody>
@@ -6317,7 +6343,7 @@
         </p:blipFill>
         <p:spPr>
           <a:xfrm>
-            <a:off x="545954" y="1417477"/>
+            <a:off x="556465" y="1785340"/>
             <a:ext cx="7682896" cy="4321629"/>
           </a:xfrm>
           <a:prstGeom prst="rect">
@@ -6386,8 +6412,8 @@
         </p:nvSpPr>
         <p:spPr>
           <a:xfrm>
-            <a:off x="440854" y="625704"/>
-            <a:ext cx="3038070" cy="702354"/>
+            <a:off x="440854" y="399854"/>
+            <a:ext cx="9039480" cy="1239760"/>
           </a:xfrm>
         </p:spPr>
         <p:txBody>
@@ -6400,327 +6426,76 @@
               <a:buNone/>
             </a:pPr>
             <a:r>
-              <a:rPr lang="ru-RU" sz="3600" dirty="0">
+              <a:rPr lang="ru-RU" sz="2200" b="1" dirty="0">
                 <a:solidFill>
                   <a:schemeClr val="accent2">
                     <a:lumMod val="75000"/>
                   </a:schemeClr>
                 </a:solidFill>
               </a:rPr>
-              <a:t>Реализация</a:t>
-            </a:r>
-            <a:endParaRPr lang="ru-RU" sz="2200" dirty="0">
-              <a:solidFill>
-                <a:schemeClr val="accent2">
-                  <a:lumMod val="75000"/>
-                </a:schemeClr>
-              </a:solidFill>
-            </a:endParaRPr>
-          </a:p>
-        </p:txBody>
-      </p:sp>
-      <p:sp>
-        <p:nvSpPr>
-          <p:cNvPr id="2" name="TextBox 1">
+              <a:t>Функционал сервиса</a:t>
+            </a:r>
+            <a:r>
+              <a:rPr lang="ru-RU" sz="2200" dirty="0">
+                <a:solidFill>
+                  <a:schemeClr val="accent2">
+                    <a:lumMod val="75000"/>
+                  </a:schemeClr>
+                </a:solidFill>
+              </a:rPr>
+              <a:t> отвечает всем критериям настоящего интернет-магазина. А при необходимости внести изменения, структура кода позволит сделать это максимально удобно.</a:t>
+            </a:r>
+          </a:p>
+        </p:txBody>
+      </p:sp>
+      <p:pic>
+        <p:nvPicPr>
+          <p:cNvPr id="4" name="Рисунок 3">
             <a:extLst>
               <a:ext uri="{FF2B5EF4-FFF2-40B4-BE49-F238E27FC236}">
-                <a16:creationId xmlns:a16="http://schemas.microsoft.com/office/drawing/2014/main" id="{2B970D47-8392-8549-B89A-27CCC13CE442}"/>
+                <a16:creationId xmlns:a16="http://schemas.microsoft.com/office/drawing/2014/main" id="{58349A92-ACAC-B540-8B0F-AC8DEE5C54DA}"/>
               </a:ext>
             </a:extLst>
           </p:cNvPr>
-          <p:cNvSpPr txBox="1"/>
+          <p:cNvPicPr/>
           <p:nvPr/>
-        </p:nvSpPr>
+        </p:nvPicPr>
+        <p:blipFill>
+          <a:blip r:embed="rId2" cstate="print">
+            <a:extLst>
+              <a:ext uri="{28A0092B-C50C-407E-A947-70E740481C1C}">
+                <a14:useLocalDpi xmlns:a14="http://schemas.microsoft.com/office/drawing/2010/main" val="0"/>
+              </a:ext>
+            </a:extLst>
+          </a:blip>
+          <a:stretch>
+            <a:fillRect/>
+          </a:stretch>
+        </p:blipFill>
         <p:spPr>
           <a:xfrm>
-            <a:off x="421204" y="1563855"/>
-            <a:ext cx="8991153" cy="3139321"/>
+            <a:off x="557048" y="1892333"/>
+            <a:ext cx="7511712" cy="4235198"/>
           </a:xfrm>
           <a:prstGeom prst="rect">
             <a:avLst/>
           </a:prstGeom>
-          <a:noFill/>
+          <a:ln>
+            <a:noFill/>
+          </a:ln>
+          <a:effectLst>
+            <a:outerShdw blurRad="292100" dist="139700" dir="2700000" algn="tl" rotWithShape="0">
+              <a:srgbClr val="333333">
+                <a:alpha val="65000"/>
+              </a:srgbClr>
+            </a:outerShdw>
+          </a:effectLst>
         </p:spPr>
-        <p:txBody>
-          <a:bodyPr wrap="square" rtlCol="0">
-            <a:spAutoFit/>
-          </a:bodyPr>
-          <a:lstStyle/>
-          <a:p>
-            <a:r>
-              <a:rPr lang="ru-RU" b="1" dirty="0">
-                <a:solidFill>
-                  <a:srgbClr val="005DA1"/>
-                </a:solidFill>
-              </a:rPr>
-              <a:t>Скрипт </a:t>
-            </a:r>
-            <a:r>
-              <a:rPr lang="en-US" b="1" i="1" dirty="0" err="1">
-                <a:solidFill>
-                  <a:srgbClr val="005DA1"/>
-                </a:solidFill>
-              </a:rPr>
-              <a:t>app.py</a:t>
-            </a:r>
-            <a:r>
-              <a:rPr lang="ru-RU" b="1" dirty="0">
-                <a:solidFill>
-                  <a:srgbClr val="005DA1"/>
-                </a:solidFill>
-              </a:rPr>
-              <a:t>:</a:t>
-            </a:r>
-          </a:p>
-          <a:p>
-            <a:pPr marL="285750" indent="-285750">
-              <a:buFont typeface="Arial" panose="020B0604020202020204" pitchFamily="34" charset="0"/>
-              <a:buChar char="•"/>
-            </a:pPr>
-            <a:r>
-              <a:rPr lang="ru-RU" dirty="0">
-                <a:solidFill>
-                  <a:srgbClr val="005DA1"/>
-                </a:solidFill>
-              </a:rPr>
-              <a:t>Обработка </a:t>
-            </a:r>
-            <a:r>
-              <a:rPr lang="en-US" dirty="0">
-                <a:solidFill>
-                  <a:srgbClr val="005DA1"/>
-                </a:solidFill>
-              </a:rPr>
-              <a:t>http</a:t>
-            </a:r>
-            <a:r>
-              <a:rPr lang="ru-RU" dirty="0">
-                <a:solidFill>
-                  <a:srgbClr val="005DA1"/>
-                </a:solidFill>
-              </a:rPr>
-              <a:t> запросов</a:t>
-            </a:r>
-          </a:p>
-          <a:p>
-            <a:pPr marL="285750" indent="-285750">
-              <a:buFont typeface="Arial" panose="020B0604020202020204" pitchFamily="34" charset="0"/>
-              <a:buChar char="•"/>
-            </a:pPr>
-            <a:r>
-              <a:rPr lang="ru-RU" dirty="0">
-                <a:solidFill>
-                  <a:srgbClr val="005DA1"/>
-                </a:solidFill>
-              </a:rPr>
-              <a:t>Генерация страниц сайта в соответствии с новыми данными</a:t>
-            </a:r>
-          </a:p>
-          <a:p>
-            <a:pPr marL="285750" indent="-285750">
-              <a:buFont typeface="Arial" panose="020B0604020202020204" pitchFamily="34" charset="0"/>
-              <a:buChar char="•"/>
-            </a:pPr>
-            <a:r>
-              <a:rPr lang="ru-RU" dirty="0">
-                <a:solidFill>
-                  <a:srgbClr val="005DA1"/>
-                </a:solidFill>
-              </a:rPr>
-              <a:t>Работа с БД</a:t>
-            </a:r>
-          </a:p>
-          <a:p>
-            <a:pPr marL="285750" indent="-285750">
-              <a:buFont typeface="Arial" panose="020B0604020202020204" pitchFamily="34" charset="0"/>
-              <a:buChar char="•"/>
-            </a:pPr>
-            <a:r>
-              <a:rPr lang="en-US" dirty="0">
-                <a:solidFill>
-                  <a:srgbClr val="005DA1"/>
-                </a:solidFill>
-              </a:rPr>
-              <a:t>API</a:t>
-            </a:r>
-          </a:p>
-          <a:p>
-            <a:pPr marL="285750" indent="-285750">
-              <a:buFont typeface="Arial" panose="020B0604020202020204" pitchFamily="34" charset="0"/>
-              <a:buChar char="•"/>
-            </a:pPr>
-            <a:endParaRPr lang="en-US" b="1" dirty="0">
-              <a:solidFill>
-                <a:srgbClr val="005DA1"/>
-              </a:solidFill>
-            </a:endParaRPr>
-          </a:p>
-          <a:p>
-            <a:r>
-              <a:rPr lang="ru-RU" b="1" dirty="0">
-                <a:solidFill>
-                  <a:srgbClr val="005DA1"/>
-                </a:solidFill>
-              </a:rPr>
-              <a:t>Использование файловой системы:</a:t>
-            </a:r>
-          </a:p>
-          <a:p>
-            <a:pPr marL="285750" indent="-285750">
-              <a:buFont typeface="Arial" panose="020B0604020202020204" pitchFamily="34" charset="0"/>
-              <a:buChar char="•"/>
-            </a:pPr>
-            <a:r>
-              <a:rPr lang="en-US" i="1" dirty="0">
-                <a:solidFill>
-                  <a:srgbClr val="005DA1"/>
-                </a:solidFill>
-              </a:rPr>
-              <a:t>/templates </a:t>
-            </a:r>
-            <a:r>
-              <a:rPr lang="en-US" dirty="0">
-                <a:solidFill>
-                  <a:srgbClr val="005DA1"/>
-                </a:solidFill>
-              </a:rPr>
-              <a:t>– </a:t>
-            </a:r>
-            <a:r>
-              <a:rPr lang="ru-RU" dirty="0">
-                <a:solidFill>
-                  <a:srgbClr val="005DA1"/>
-                </a:solidFill>
-              </a:rPr>
-              <a:t>страницы на </a:t>
-            </a:r>
-            <a:r>
-              <a:rPr lang="en-US" dirty="0">
-                <a:solidFill>
-                  <a:srgbClr val="005DA1"/>
-                </a:solidFill>
-              </a:rPr>
-              <a:t>HTML</a:t>
-            </a:r>
-            <a:r>
-              <a:rPr lang="ru-RU" dirty="0">
-                <a:solidFill>
-                  <a:srgbClr val="005DA1"/>
-                </a:solidFill>
-              </a:rPr>
-              <a:t>, подготовленные специально для</a:t>
-            </a:r>
-            <a:r>
-              <a:rPr lang="ru-RU" i="1" dirty="0">
-                <a:solidFill>
-                  <a:srgbClr val="005DA1"/>
-                </a:solidFill>
-              </a:rPr>
-              <a:t> </a:t>
-            </a:r>
-            <a:r>
-              <a:rPr lang="ru-RU" dirty="0">
-                <a:solidFill>
-                  <a:srgbClr val="005DA1"/>
-                </a:solidFill>
-                <a:ea typeface="Verdana" panose="020B0604030504040204" pitchFamily="34" charset="0"/>
-                <a:cs typeface="Verdana" panose="020B0604030504040204" pitchFamily="34" charset="0"/>
-              </a:rPr>
-              <a:t>обработчика шаблонов от </a:t>
-            </a:r>
-            <a:r>
-              <a:rPr lang="en-US" i="1" dirty="0">
-                <a:solidFill>
-                  <a:srgbClr val="005DA1"/>
-                </a:solidFill>
-                <a:ea typeface="Verdana" panose="020B0604030504040204" pitchFamily="34" charset="0"/>
-                <a:cs typeface="Verdana" panose="020B0604030504040204" pitchFamily="34" charset="0"/>
-              </a:rPr>
-              <a:t>flask</a:t>
-            </a:r>
-            <a:r>
-              <a:rPr lang="ru-RU" i="1" dirty="0">
-                <a:solidFill>
-                  <a:srgbClr val="005DA1"/>
-                </a:solidFill>
-                <a:ea typeface="Verdana" panose="020B0604030504040204" pitchFamily="34" charset="0"/>
-                <a:cs typeface="Verdana" panose="020B0604030504040204" pitchFamily="34" charset="0"/>
-              </a:rPr>
-              <a:t> (</a:t>
-            </a:r>
-            <a:r>
-              <a:rPr lang="en-US" i="1" dirty="0">
-                <a:solidFill>
-                  <a:srgbClr val="005DA1"/>
-                </a:solidFill>
-                <a:ea typeface="Verdana" panose="020B0604030504040204" pitchFamily="34" charset="0"/>
-                <a:cs typeface="Verdana" panose="020B0604030504040204" pitchFamily="34" charset="0"/>
-              </a:rPr>
-              <a:t>Jinja2</a:t>
-            </a:r>
-            <a:r>
-              <a:rPr lang="ru-RU" i="1" dirty="0">
-                <a:solidFill>
-                  <a:srgbClr val="005DA1"/>
-                </a:solidFill>
-                <a:ea typeface="Verdana" panose="020B0604030504040204" pitchFamily="34" charset="0"/>
-                <a:cs typeface="Verdana" panose="020B0604030504040204" pitchFamily="34" charset="0"/>
-              </a:rPr>
-              <a:t>)</a:t>
-            </a:r>
-          </a:p>
-          <a:p>
-            <a:pPr marL="285750" indent="-285750">
-              <a:buFont typeface="Arial" panose="020B0604020202020204" pitchFamily="34" charset="0"/>
-              <a:buChar char="•"/>
-            </a:pPr>
-            <a:r>
-              <a:rPr lang="ru-RU" i="1" dirty="0">
-                <a:solidFill>
-                  <a:srgbClr val="005DA1"/>
-                </a:solidFill>
-                <a:ea typeface="Verdana" panose="020B0604030504040204" pitchFamily="34" charset="0"/>
-                <a:cs typeface="Verdana" panose="020B0604030504040204" pitchFamily="34" charset="0"/>
-              </a:rPr>
-              <a:t>/</a:t>
-            </a:r>
-            <a:r>
-              <a:rPr lang="en-US" i="1" dirty="0">
-                <a:solidFill>
-                  <a:srgbClr val="005DA1"/>
-                </a:solidFill>
-                <a:ea typeface="Verdana" panose="020B0604030504040204" pitchFamily="34" charset="0"/>
-                <a:cs typeface="Verdana" panose="020B0604030504040204" pitchFamily="34" charset="0"/>
-              </a:rPr>
-              <a:t>static </a:t>
-            </a:r>
-            <a:r>
-              <a:rPr lang="en-US" dirty="0">
-                <a:solidFill>
-                  <a:srgbClr val="005DA1"/>
-                </a:solidFill>
-                <a:ea typeface="Verdana" panose="020B0604030504040204" pitchFamily="34" charset="0"/>
-                <a:cs typeface="Verdana" panose="020B0604030504040204" pitchFamily="34" charset="0"/>
-              </a:rPr>
-              <a:t>– </a:t>
-            </a:r>
-            <a:r>
-              <a:rPr lang="ru-RU" dirty="0">
-                <a:solidFill>
-                  <a:srgbClr val="005DA1"/>
-                </a:solidFill>
-                <a:ea typeface="Verdana" panose="020B0604030504040204" pitchFamily="34" charset="0"/>
-                <a:cs typeface="Verdana" panose="020B0604030504040204" pitchFamily="34" charset="0"/>
-              </a:rPr>
-              <a:t>фотографий пользователей и товаров, слайдов главной страницы в соответствующих категориях</a:t>
-            </a:r>
-          </a:p>
-        </p:txBody>
-      </p:sp>
+      </p:pic>
     </p:spTree>
     <p:extLst>
       <p:ext uri="{BB962C8B-B14F-4D97-AF65-F5344CB8AC3E}">
-        <p14:creationId xmlns:p14="http://schemas.microsoft.com/office/powerpoint/2010/main" val="1559171817"/>
+        <p14:creationId xmlns:p14="http://schemas.microsoft.com/office/powerpoint/2010/main" val="4290796457"/>
       </p:ext>
     </p:extLst>
   </p:cSld>
@@ -6768,6 +6543,529 @@
         </p:nvSpPr>
         <p:spPr>
           <a:xfrm>
+            <a:off x="440854" y="536486"/>
+            <a:ext cx="9039480" cy="892918"/>
+          </a:xfrm>
+        </p:spPr>
+        <p:txBody>
+          <a:bodyPr>
+            <a:noAutofit/>
+          </a:bodyPr>
+          <a:lstStyle/>
+          <a:p>
+            <a:pPr marL="0" indent="0">
+              <a:buNone/>
+            </a:pPr>
+            <a:r>
+              <a:rPr lang="ru-RU" sz="2200" dirty="0">
+                <a:solidFill>
+                  <a:schemeClr val="accent2">
+                    <a:lumMod val="75000"/>
+                  </a:schemeClr>
+                </a:solidFill>
+              </a:rPr>
+              <a:t>У пользователей есть </a:t>
+            </a:r>
+            <a:r>
+              <a:rPr lang="ru-RU" sz="2200" b="1" dirty="0">
+                <a:solidFill>
+                  <a:schemeClr val="accent2">
+                    <a:lumMod val="75000"/>
+                  </a:schemeClr>
+                </a:solidFill>
+              </a:rPr>
+              <a:t>учетные записи</a:t>
+            </a:r>
+            <a:r>
+              <a:rPr lang="ru-RU" sz="2200" dirty="0">
+                <a:solidFill>
+                  <a:schemeClr val="accent2">
+                    <a:lumMod val="75000"/>
+                  </a:schemeClr>
+                </a:solidFill>
+              </a:rPr>
+              <a:t> с возможностью добавления фото и редактирования личных данных.</a:t>
+            </a:r>
+          </a:p>
+        </p:txBody>
+      </p:sp>
+      <p:pic>
+        <p:nvPicPr>
+          <p:cNvPr id="5" name="Рисунок 4">
+            <a:extLst>
+              <a:ext uri="{FF2B5EF4-FFF2-40B4-BE49-F238E27FC236}">
+                <a16:creationId xmlns:a16="http://schemas.microsoft.com/office/drawing/2014/main" id="{2D2323E9-9148-7241-9E09-9530E2069635}"/>
+              </a:ext>
+            </a:extLst>
+          </p:cNvPr>
+          <p:cNvPicPr/>
+          <p:nvPr/>
+        </p:nvPicPr>
+        <p:blipFill>
+          <a:blip r:embed="rId2" cstate="print">
+            <a:extLst>
+              <a:ext uri="{28A0092B-C50C-407E-A947-70E740481C1C}">
+                <a14:useLocalDpi xmlns:a14="http://schemas.microsoft.com/office/drawing/2010/main" val="0"/>
+              </a:ext>
+            </a:extLst>
+          </a:blip>
+          <a:stretch>
+            <a:fillRect/>
+          </a:stretch>
+        </p:blipFill>
+        <p:spPr>
+          <a:xfrm>
+            <a:off x="546538" y="1677440"/>
+            <a:ext cx="7571521" cy="4268919"/>
+          </a:xfrm>
+          <a:prstGeom prst="rect">
+            <a:avLst/>
+          </a:prstGeom>
+          <a:ln>
+            <a:noFill/>
+          </a:ln>
+          <a:effectLst>
+            <a:outerShdw blurRad="292100" dist="139700" dir="2700000" algn="tl" rotWithShape="0">
+              <a:srgbClr val="333333">
+                <a:alpha val="65000"/>
+              </a:srgbClr>
+            </a:outerShdw>
+          </a:effectLst>
+        </p:spPr>
+      </p:pic>
+    </p:spTree>
+    <p:extLst>
+      <p:ext uri="{BB962C8B-B14F-4D97-AF65-F5344CB8AC3E}">
+        <p14:creationId xmlns:p14="http://schemas.microsoft.com/office/powerpoint/2010/main" val="1172434839"/>
+      </p:ext>
+    </p:extLst>
+  </p:cSld>
+  <p:clrMapOvr>
+    <a:masterClrMapping/>
+  </p:clrMapOvr>
+  <p:transition spd="slow">
+    <p:push dir="u"/>
+  </p:transition>
+</p:sld>
+</file>
+
+<file path=ppt/slides/slide6.xml><?xml version="1.0" encoding="utf-8"?>
+<p:sld xmlns:a="http://schemas.openxmlformats.org/drawingml/2006/main" xmlns:r="http://schemas.openxmlformats.org/officeDocument/2006/relationships" xmlns:p="http://schemas.openxmlformats.org/presentationml/2006/main">
+  <p:cSld>
+    <p:spTree>
+      <p:nvGrpSpPr>
+        <p:cNvPr id="1" name=""/>
+        <p:cNvGrpSpPr/>
+        <p:nvPr/>
+      </p:nvGrpSpPr>
+      <p:grpSpPr>
+        <a:xfrm>
+          <a:off x="0" y="0"/>
+          <a:ext cx="0" cy="0"/>
+          <a:chOff x="0" y="0"/>
+          <a:chExt cx="0" cy="0"/>
+        </a:xfrm>
+      </p:grpSpPr>
+      <p:sp>
+        <p:nvSpPr>
+          <p:cNvPr id="3" name="Объект 2">
+            <a:extLst>
+              <a:ext uri="{FF2B5EF4-FFF2-40B4-BE49-F238E27FC236}">
+                <a16:creationId xmlns:a16="http://schemas.microsoft.com/office/drawing/2014/main" id="{BD2BE14E-6EB5-084C-8010-77F85463036A}"/>
+              </a:ext>
+            </a:extLst>
+          </p:cNvPr>
+          <p:cNvSpPr>
+            <a:spLocks noGrp="1"/>
+          </p:cNvSpPr>
+          <p:nvPr>
+            <p:ph idx="1"/>
+          </p:nvPr>
+        </p:nvSpPr>
+        <p:spPr>
+          <a:xfrm>
+            <a:off x="440854" y="625704"/>
+            <a:ext cx="3038070" cy="702354"/>
+          </a:xfrm>
+        </p:spPr>
+        <p:txBody>
+          <a:bodyPr>
+            <a:noAutofit/>
+          </a:bodyPr>
+          <a:lstStyle/>
+          <a:p>
+            <a:pPr marL="0" indent="0">
+              <a:buNone/>
+            </a:pPr>
+            <a:r>
+              <a:rPr lang="ru-RU" sz="3600" dirty="0">
+                <a:solidFill>
+                  <a:schemeClr val="accent2">
+                    <a:lumMod val="75000"/>
+                  </a:schemeClr>
+                </a:solidFill>
+              </a:rPr>
+              <a:t>Реализация</a:t>
+            </a:r>
+            <a:endParaRPr lang="ru-RU" sz="2200" dirty="0">
+              <a:solidFill>
+                <a:schemeClr val="accent2">
+                  <a:lumMod val="75000"/>
+                </a:schemeClr>
+              </a:solidFill>
+            </a:endParaRPr>
+          </a:p>
+        </p:txBody>
+      </p:sp>
+      <p:sp>
+        <p:nvSpPr>
+          <p:cNvPr id="2" name="TextBox 1">
+            <a:extLst>
+              <a:ext uri="{FF2B5EF4-FFF2-40B4-BE49-F238E27FC236}">
+                <a16:creationId xmlns:a16="http://schemas.microsoft.com/office/drawing/2014/main" id="{2B970D47-8392-8549-B89A-27CCC13CE442}"/>
+              </a:ext>
+            </a:extLst>
+          </p:cNvPr>
+          <p:cNvSpPr txBox="1"/>
+          <p:nvPr/>
+        </p:nvSpPr>
+        <p:spPr>
+          <a:xfrm>
+            <a:off x="421204" y="1563855"/>
+            <a:ext cx="8991153" cy="3139321"/>
+          </a:xfrm>
+          <a:prstGeom prst="rect">
+            <a:avLst/>
+          </a:prstGeom>
+          <a:noFill/>
+        </p:spPr>
+        <p:txBody>
+          <a:bodyPr wrap="square" rtlCol="0">
+            <a:spAutoFit/>
+          </a:bodyPr>
+          <a:lstStyle/>
+          <a:p>
+            <a:r>
+              <a:rPr lang="ru-RU" b="1" dirty="0">
+                <a:solidFill>
+                  <a:srgbClr val="005DA1"/>
+                </a:solidFill>
+              </a:rPr>
+              <a:t>Скрипт </a:t>
+            </a:r>
+            <a:r>
+              <a:rPr lang="en-US" b="1" i="1" dirty="0" err="1">
+                <a:solidFill>
+                  <a:srgbClr val="005DA1"/>
+                </a:solidFill>
+              </a:rPr>
+              <a:t>app.py</a:t>
+            </a:r>
+            <a:r>
+              <a:rPr lang="ru-RU" b="1" dirty="0">
+                <a:solidFill>
+                  <a:srgbClr val="005DA1"/>
+                </a:solidFill>
+              </a:rPr>
+              <a:t>:</a:t>
+            </a:r>
+          </a:p>
+          <a:p>
+            <a:pPr marL="285750" indent="-285750">
+              <a:buFont typeface="Arial" panose="020B0604020202020204" pitchFamily="34" charset="0"/>
+              <a:buChar char="•"/>
+            </a:pPr>
+            <a:r>
+              <a:rPr lang="ru-RU" dirty="0">
+                <a:solidFill>
+                  <a:srgbClr val="005DA1"/>
+                </a:solidFill>
+              </a:rPr>
+              <a:t>Обработка </a:t>
+            </a:r>
+            <a:r>
+              <a:rPr lang="en-US" dirty="0">
+                <a:solidFill>
+                  <a:srgbClr val="005DA1"/>
+                </a:solidFill>
+              </a:rPr>
+              <a:t>http</a:t>
+            </a:r>
+            <a:r>
+              <a:rPr lang="ru-RU" dirty="0">
+                <a:solidFill>
+                  <a:srgbClr val="005DA1"/>
+                </a:solidFill>
+              </a:rPr>
+              <a:t> запросов</a:t>
+            </a:r>
+          </a:p>
+          <a:p>
+            <a:pPr marL="285750" indent="-285750">
+              <a:buFont typeface="Arial" panose="020B0604020202020204" pitchFamily="34" charset="0"/>
+              <a:buChar char="•"/>
+            </a:pPr>
+            <a:r>
+              <a:rPr lang="ru-RU" dirty="0">
+                <a:solidFill>
+                  <a:srgbClr val="005DA1"/>
+                </a:solidFill>
+              </a:rPr>
+              <a:t>Генерация страниц сайта в соответствии с новыми данными</a:t>
+            </a:r>
+          </a:p>
+          <a:p>
+            <a:pPr marL="285750" indent="-285750">
+              <a:buFont typeface="Arial" panose="020B0604020202020204" pitchFamily="34" charset="0"/>
+              <a:buChar char="•"/>
+            </a:pPr>
+            <a:r>
+              <a:rPr lang="ru-RU" dirty="0">
+                <a:solidFill>
+                  <a:srgbClr val="005DA1"/>
+                </a:solidFill>
+              </a:rPr>
+              <a:t>Работа с БД</a:t>
+            </a:r>
+          </a:p>
+          <a:p>
+            <a:pPr marL="285750" indent="-285750">
+              <a:buFont typeface="Arial" panose="020B0604020202020204" pitchFamily="34" charset="0"/>
+              <a:buChar char="•"/>
+            </a:pPr>
+            <a:r>
+              <a:rPr lang="en-US" dirty="0">
+                <a:solidFill>
+                  <a:srgbClr val="005DA1"/>
+                </a:solidFill>
+              </a:rPr>
+              <a:t>API</a:t>
+            </a:r>
+          </a:p>
+          <a:p>
+            <a:pPr marL="285750" indent="-285750">
+              <a:buFont typeface="Arial" panose="020B0604020202020204" pitchFamily="34" charset="0"/>
+              <a:buChar char="•"/>
+            </a:pPr>
+            <a:endParaRPr lang="en-US" b="1" dirty="0">
+              <a:solidFill>
+                <a:srgbClr val="005DA1"/>
+              </a:solidFill>
+            </a:endParaRPr>
+          </a:p>
+          <a:p>
+            <a:r>
+              <a:rPr lang="ru-RU" b="1" dirty="0">
+                <a:solidFill>
+                  <a:srgbClr val="005DA1"/>
+                </a:solidFill>
+              </a:rPr>
+              <a:t>Использование файловой системы:</a:t>
+            </a:r>
+          </a:p>
+          <a:p>
+            <a:pPr marL="285750" indent="-285750">
+              <a:buFont typeface="Arial" panose="020B0604020202020204" pitchFamily="34" charset="0"/>
+              <a:buChar char="•"/>
+            </a:pPr>
+            <a:r>
+              <a:rPr lang="en-US" i="1" dirty="0">
+                <a:solidFill>
+                  <a:srgbClr val="005DA1"/>
+                </a:solidFill>
+              </a:rPr>
+              <a:t>/templates </a:t>
+            </a:r>
+            <a:r>
+              <a:rPr lang="en-US" dirty="0">
+                <a:solidFill>
+                  <a:srgbClr val="005DA1"/>
+                </a:solidFill>
+              </a:rPr>
+              <a:t>– </a:t>
+            </a:r>
+            <a:r>
+              <a:rPr lang="ru-RU" dirty="0">
+                <a:solidFill>
+                  <a:srgbClr val="005DA1"/>
+                </a:solidFill>
+              </a:rPr>
+              <a:t>страницы на </a:t>
+            </a:r>
+            <a:r>
+              <a:rPr lang="en-US" dirty="0">
+                <a:solidFill>
+                  <a:srgbClr val="005DA1"/>
+                </a:solidFill>
+              </a:rPr>
+              <a:t>HTML</a:t>
+            </a:r>
+            <a:r>
+              <a:rPr lang="ru-RU" dirty="0">
+                <a:solidFill>
+                  <a:srgbClr val="005DA1"/>
+                </a:solidFill>
+              </a:rPr>
+              <a:t>, подготовленные специально для</a:t>
+            </a:r>
+            <a:r>
+              <a:rPr lang="ru-RU" i="1" dirty="0">
+                <a:solidFill>
+                  <a:srgbClr val="005DA1"/>
+                </a:solidFill>
+              </a:rPr>
+              <a:t> </a:t>
+            </a:r>
+            <a:r>
+              <a:rPr lang="ru-RU" dirty="0">
+                <a:solidFill>
+                  <a:srgbClr val="005DA1"/>
+                </a:solidFill>
+                <a:ea typeface="Verdana" panose="020B0604030504040204" pitchFamily="34" charset="0"/>
+                <a:cs typeface="Verdana" panose="020B0604030504040204" pitchFamily="34" charset="0"/>
+              </a:rPr>
+              <a:t>обработчика шаблонов от </a:t>
+            </a:r>
+            <a:r>
+              <a:rPr lang="en-US" i="1" dirty="0">
+                <a:solidFill>
+                  <a:srgbClr val="005DA1"/>
+                </a:solidFill>
+                <a:ea typeface="Verdana" panose="020B0604030504040204" pitchFamily="34" charset="0"/>
+                <a:cs typeface="Verdana" panose="020B0604030504040204" pitchFamily="34" charset="0"/>
+              </a:rPr>
+              <a:t>flask</a:t>
+            </a:r>
+            <a:r>
+              <a:rPr lang="ru-RU" i="1" dirty="0">
+                <a:solidFill>
+                  <a:srgbClr val="005DA1"/>
+                </a:solidFill>
+                <a:ea typeface="Verdana" panose="020B0604030504040204" pitchFamily="34" charset="0"/>
+                <a:cs typeface="Verdana" panose="020B0604030504040204" pitchFamily="34" charset="0"/>
+              </a:rPr>
+              <a:t> (</a:t>
+            </a:r>
+            <a:r>
+              <a:rPr lang="en-US" i="1" dirty="0">
+                <a:solidFill>
+                  <a:srgbClr val="005DA1"/>
+                </a:solidFill>
+                <a:ea typeface="Verdana" panose="020B0604030504040204" pitchFamily="34" charset="0"/>
+                <a:cs typeface="Verdana" panose="020B0604030504040204" pitchFamily="34" charset="0"/>
+              </a:rPr>
+              <a:t>Jinja2</a:t>
+            </a:r>
+            <a:r>
+              <a:rPr lang="ru-RU" i="1" dirty="0">
+                <a:solidFill>
+                  <a:srgbClr val="005DA1"/>
+                </a:solidFill>
+                <a:ea typeface="Verdana" panose="020B0604030504040204" pitchFamily="34" charset="0"/>
+                <a:cs typeface="Verdana" panose="020B0604030504040204" pitchFamily="34" charset="0"/>
+              </a:rPr>
+              <a:t>)</a:t>
+            </a:r>
+          </a:p>
+          <a:p>
+            <a:pPr marL="285750" indent="-285750">
+              <a:buFont typeface="Arial" panose="020B0604020202020204" pitchFamily="34" charset="0"/>
+              <a:buChar char="•"/>
+            </a:pPr>
+            <a:r>
+              <a:rPr lang="ru-RU" i="1" dirty="0">
+                <a:solidFill>
+                  <a:srgbClr val="005DA1"/>
+                </a:solidFill>
+                <a:ea typeface="Verdana" panose="020B0604030504040204" pitchFamily="34" charset="0"/>
+                <a:cs typeface="Verdana" panose="020B0604030504040204" pitchFamily="34" charset="0"/>
+              </a:rPr>
+              <a:t>/</a:t>
+            </a:r>
+            <a:r>
+              <a:rPr lang="en-US" i="1" dirty="0">
+                <a:solidFill>
+                  <a:srgbClr val="005DA1"/>
+                </a:solidFill>
+                <a:ea typeface="Verdana" panose="020B0604030504040204" pitchFamily="34" charset="0"/>
+                <a:cs typeface="Verdana" panose="020B0604030504040204" pitchFamily="34" charset="0"/>
+              </a:rPr>
+              <a:t>static </a:t>
+            </a:r>
+            <a:r>
+              <a:rPr lang="en-US" dirty="0">
+                <a:solidFill>
+                  <a:srgbClr val="005DA1"/>
+                </a:solidFill>
+                <a:ea typeface="Verdana" panose="020B0604030504040204" pitchFamily="34" charset="0"/>
+                <a:cs typeface="Verdana" panose="020B0604030504040204" pitchFamily="34" charset="0"/>
+              </a:rPr>
+              <a:t>– </a:t>
+            </a:r>
+            <a:r>
+              <a:rPr lang="ru-RU" dirty="0">
+                <a:solidFill>
+                  <a:srgbClr val="005DA1"/>
+                </a:solidFill>
+                <a:ea typeface="Verdana" panose="020B0604030504040204" pitchFamily="34" charset="0"/>
+                <a:cs typeface="Verdana" panose="020B0604030504040204" pitchFamily="34" charset="0"/>
+              </a:rPr>
+              <a:t>фотографий пользователей и товаров, слайдов главной страницы в соответствующих категориях</a:t>
+            </a:r>
+          </a:p>
+        </p:txBody>
+      </p:sp>
+    </p:spTree>
+    <p:extLst>
+      <p:ext uri="{BB962C8B-B14F-4D97-AF65-F5344CB8AC3E}">
+        <p14:creationId xmlns:p14="http://schemas.microsoft.com/office/powerpoint/2010/main" val="1559171817"/>
+      </p:ext>
+    </p:extLst>
+  </p:cSld>
+  <p:clrMapOvr>
+    <a:masterClrMapping/>
+  </p:clrMapOvr>
+  <p:transition spd="slow">
+    <p:push dir="u"/>
+  </p:transition>
+</p:sld>
+</file>
+
+<file path=ppt/slides/slide7.xml><?xml version="1.0" encoding="utf-8"?>
+<p:sld xmlns:a="http://schemas.openxmlformats.org/drawingml/2006/main" xmlns:r="http://schemas.openxmlformats.org/officeDocument/2006/relationships" xmlns:p="http://schemas.openxmlformats.org/presentationml/2006/main">
+  <p:cSld>
+    <p:spTree>
+      <p:nvGrpSpPr>
+        <p:cNvPr id="1" name=""/>
+        <p:cNvGrpSpPr/>
+        <p:nvPr/>
+      </p:nvGrpSpPr>
+      <p:grpSpPr>
+        <a:xfrm>
+          <a:off x="0" y="0"/>
+          <a:ext cx="0" cy="0"/>
+          <a:chOff x="0" y="0"/>
+          <a:chExt cx="0" cy="0"/>
+        </a:xfrm>
+      </p:grpSpPr>
+      <p:sp>
+        <p:nvSpPr>
+          <p:cNvPr id="3" name="Объект 2">
+            <a:extLst>
+              <a:ext uri="{FF2B5EF4-FFF2-40B4-BE49-F238E27FC236}">
+                <a16:creationId xmlns:a16="http://schemas.microsoft.com/office/drawing/2014/main" id="{BD2BE14E-6EB5-084C-8010-77F85463036A}"/>
+              </a:ext>
+            </a:extLst>
+          </p:cNvPr>
+          <p:cNvSpPr>
+            <a:spLocks noGrp="1"/>
+          </p:cNvSpPr>
+          <p:nvPr>
+            <p:ph idx="1"/>
+          </p:nvPr>
+        </p:nvSpPr>
+        <p:spPr>
+          <a:xfrm>
             <a:off x="440854" y="625704"/>
             <a:ext cx="3038070" cy="702354"/>
           </a:xfrm>
@@ -7258,7 +7556,167 @@
 </p:sld>
 </file>
 
-<file path=ppt/slides/slide6.xml><?xml version="1.0" encoding="utf-8"?>
+<file path=ppt/slides/slide8.xml><?xml version="1.0" encoding="utf-8"?>
+<p:sld xmlns:a="http://schemas.openxmlformats.org/drawingml/2006/main" xmlns:r="http://schemas.openxmlformats.org/officeDocument/2006/relationships" xmlns:p="http://schemas.openxmlformats.org/presentationml/2006/main">
+  <p:cSld>
+    <p:spTree>
+      <p:nvGrpSpPr>
+        <p:cNvPr id="1" name=""/>
+        <p:cNvGrpSpPr/>
+        <p:nvPr/>
+      </p:nvGrpSpPr>
+      <p:grpSpPr>
+        <a:xfrm>
+          <a:off x="0" y="0"/>
+          <a:ext cx="0" cy="0"/>
+          <a:chOff x="0" y="0"/>
+          <a:chExt cx="0" cy="0"/>
+        </a:xfrm>
+      </p:grpSpPr>
+      <p:sp>
+        <p:nvSpPr>
+          <p:cNvPr id="3" name="Объект 2">
+            <a:extLst>
+              <a:ext uri="{FF2B5EF4-FFF2-40B4-BE49-F238E27FC236}">
+                <a16:creationId xmlns:a16="http://schemas.microsoft.com/office/drawing/2014/main" id="{BD2BE14E-6EB5-084C-8010-77F85463036A}"/>
+              </a:ext>
+            </a:extLst>
+          </p:cNvPr>
+          <p:cNvSpPr>
+            <a:spLocks noGrp="1"/>
+          </p:cNvSpPr>
+          <p:nvPr>
+            <p:ph idx="1"/>
+          </p:nvPr>
+        </p:nvSpPr>
+        <p:spPr>
+          <a:xfrm>
+            <a:off x="440854" y="625704"/>
+            <a:ext cx="3595118" cy="702354"/>
+          </a:xfrm>
+        </p:spPr>
+        <p:txBody>
+          <a:bodyPr>
+            <a:noAutofit/>
+          </a:bodyPr>
+          <a:lstStyle/>
+          <a:p>
+            <a:pPr marL="0" indent="0">
+              <a:buNone/>
+            </a:pPr>
+            <a:r>
+              <a:rPr lang="ru-RU" sz="3600" b="1" dirty="0">
+                <a:solidFill>
+                  <a:schemeClr val="accent2">
+                    <a:lumMod val="75000"/>
+                  </a:schemeClr>
+                </a:solidFill>
+              </a:rPr>
+              <a:t>Перспективы</a:t>
+            </a:r>
+            <a:endParaRPr lang="ru-RU" sz="2200" b="1" dirty="0">
+              <a:solidFill>
+                <a:schemeClr val="accent2">
+                  <a:lumMod val="75000"/>
+                </a:schemeClr>
+              </a:solidFill>
+            </a:endParaRPr>
+          </a:p>
+        </p:txBody>
+      </p:sp>
+      <p:sp>
+        <p:nvSpPr>
+          <p:cNvPr id="2" name="TextBox 1">
+            <a:extLst>
+              <a:ext uri="{FF2B5EF4-FFF2-40B4-BE49-F238E27FC236}">
+                <a16:creationId xmlns:a16="http://schemas.microsoft.com/office/drawing/2014/main" id="{2B970D47-8392-8549-B89A-27CCC13CE442}"/>
+              </a:ext>
+            </a:extLst>
+          </p:cNvPr>
+          <p:cNvSpPr txBox="1"/>
+          <p:nvPr/>
+        </p:nvSpPr>
+        <p:spPr>
+          <a:xfrm>
+            <a:off x="997903" y="1689975"/>
+            <a:ext cx="6842815" cy="1215717"/>
+          </a:xfrm>
+          <a:prstGeom prst="rect">
+            <a:avLst/>
+          </a:prstGeom>
+          <a:noFill/>
+        </p:spPr>
+        <p:txBody>
+          <a:bodyPr wrap="square" rtlCol="0">
+            <a:spAutoFit/>
+          </a:bodyPr>
+          <a:lstStyle/>
+          <a:p>
+            <a:pPr marL="285750" indent="-285750">
+              <a:buFont typeface="Arial" panose="020B0604020202020204" pitchFamily="34" charset="0"/>
+              <a:buChar char="•"/>
+            </a:pPr>
+            <a:r>
+              <a:rPr lang="en-US" sz="2200" dirty="0">
+                <a:solidFill>
+                  <a:srgbClr val="005DA1"/>
+                </a:solidFill>
+              </a:rPr>
+              <a:t>E-mail </a:t>
+            </a:r>
+            <a:r>
+              <a:rPr lang="ru-RU" sz="2200" dirty="0">
+                <a:solidFill>
+                  <a:srgbClr val="005DA1"/>
+                </a:solidFill>
+              </a:rPr>
+              <a:t>рассылка тем пользователям, которые на нее подписаны (изменить можно в ЛК).</a:t>
+            </a:r>
+          </a:p>
+          <a:p>
+            <a:pPr marL="285750" indent="-285750">
+              <a:buFont typeface="Arial" panose="020B0604020202020204" pitchFamily="34" charset="0"/>
+              <a:buChar char="•"/>
+            </a:pPr>
+            <a:endParaRPr lang="ru-RU" sz="700" dirty="0">
+              <a:solidFill>
+                <a:srgbClr val="005DA1"/>
+              </a:solidFill>
+            </a:endParaRPr>
+          </a:p>
+          <a:p>
+            <a:pPr marL="285750" indent="-285750">
+              <a:buFont typeface="Arial" panose="020B0604020202020204" pitchFamily="34" charset="0"/>
+              <a:buChar char="•"/>
+            </a:pPr>
+            <a:r>
+              <a:rPr lang="ru-RU" sz="2200" dirty="0">
+                <a:solidFill>
+                  <a:srgbClr val="005DA1"/>
+                </a:solidFill>
+              </a:rPr>
+              <a:t>Уведомления в личном кабинете.</a:t>
+            </a:r>
+          </a:p>
+        </p:txBody>
+      </p:sp>
+    </p:spTree>
+    <p:extLst>
+      <p:ext uri="{BB962C8B-B14F-4D97-AF65-F5344CB8AC3E}">
+        <p14:creationId xmlns:p14="http://schemas.microsoft.com/office/powerpoint/2010/main" val="1305376139"/>
+      </p:ext>
+    </p:extLst>
+  </p:cSld>
+  <p:clrMapOvr>
+    <a:masterClrMapping/>
+  </p:clrMapOvr>
+  <p:transition spd="slow">
+    <p:push dir="u"/>
+  </p:transition>
+</p:sld>
+</file>
+
+<file path=ppt/slides/slide9.xml><?xml version="1.0" encoding="utf-8"?>
 <p:sld xmlns:a="http://schemas.openxmlformats.org/drawingml/2006/main" xmlns:r="http://schemas.openxmlformats.org/officeDocument/2006/relationships" xmlns:p="http://schemas.openxmlformats.org/presentationml/2006/main">
   <p:cSld>
     <p:spTree>

--- a/Documents/WebServer project presentation.pptx
+++ b/Documents/WebServer project presentation.pptx
@@ -7638,8 +7638,8 @@
         </p:nvSpPr>
         <p:spPr>
           <a:xfrm>
-            <a:off x="997903" y="1689975"/>
-            <a:ext cx="6842815" cy="1215717"/>
+            <a:off x="997904" y="1689975"/>
+            <a:ext cx="6513240" cy="1523494"/>
           </a:xfrm>
           <a:prstGeom prst="rect">
             <a:avLst/>
@@ -7657,45 +7657,41 @@
               <a:buChar char="•"/>
             </a:pPr>
             <a:r>
-              <a:rPr lang="en-US" sz="2200" dirty="0">
+              <a:rPr lang="ru-RU" sz="2200" dirty="0">
                 <a:solidFill>
                   <a:srgbClr val="005DA1"/>
                 </a:solidFill>
               </a:rPr>
-              <a:t>E-mail </a:t>
-            </a:r>
-            <a:r>
-              <a:rPr lang="ru-RU" sz="2200" dirty="0">
-                <a:solidFill>
-                  <a:srgbClr val="005DA1"/>
-                </a:solidFill>
-              </a:rPr>
-              <a:t>рассылка тем пользователям, которые на нее подписаны (изменить можно в ЛК).</a:t>
-            </a:r>
+              <a:t>Реализация уведомлений в личном кабинете (об изменении статуса заказа и т.п.)</a:t>
+            </a:r>
+          </a:p>
+          <a:p>
+            <a:endParaRPr lang="ru-RU" sz="500" dirty="0">
+              <a:solidFill>
+                <a:srgbClr val="005DA1"/>
+              </a:solidFill>
+            </a:endParaRPr>
           </a:p>
           <a:p>
             <a:pPr marL="285750" indent="-285750">
               <a:buFont typeface="Arial" panose="020B0604020202020204" pitchFamily="34" charset="0"/>
               <a:buChar char="•"/>
             </a:pPr>
-            <a:endParaRPr lang="ru-RU" sz="700" dirty="0">
-              <a:solidFill>
-                <a:srgbClr val="005DA1"/>
-              </a:solidFill>
-            </a:endParaRPr>
-          </a:p>
-          <a:p>
-            <a:pPr marL="285750" indent="-285750">
-              <a:buFont typeface="Arial" panose="020B0604020202020204" pitchFamily="34" charset="0"/>
-              <a:buChar char="•"/>
-            </a:pPr>
+            <a:r>
+              <a:rPr lang="en-US" sz="2200" dirty="0">
+                <a:solidFill>
+                  <a:srgbClr val="005DA1"/>
+                </a:solidFill>
+              </a:rPr>
+              <a:t>E-mail </a:t>
+            </a:r>
             <a:r>
               <a:rPr lang="ru-RU" sz="2200" dirty="0">
                 <a:solidFill>
                   <a:srgbClr val="005DA1"/>
                 </a:solidFill>
               </a:rPr>
-              <a:t>Уведомления в личном кабинете.</a:t>
+              <a:t>рассылка тем пользователям, которые на нее подписаны (изменить можно в ЛК)</a:t>
             </a:r>
           </a:p>
         </p:txBody>

--- a/Documents/WebServer project presentation.pptx
+++ b/Documents/WebServer project presentation.pptx
@@ -860,7 +860,7 @@
             <a:fld id="{B61BEF0D-F0BB-DE4B-95CE-6DB70DBA9567}" type="datetimeFigureOut">
               <a:rPr lang="en-US" dirty="0"/>
               <a:pPr/>
-              <a:t>4/30/19</a:t>
+              <a:t>5/7/19</a:t>
             </a:fld>
             <a:endParaRPr lang="en-US" dirty="0"/>
           </a:p>
@@ -1113,7 +1113,7 @@
             <a:fld id="{B61BEF0D-F0BB-DE4B-95CE-6DB70DBA9567}" type="datetimeFigureOut">
               <a:rPr lang="en-US" dirty="0"/>
               <a:pPr/>
-              <a:t>4/30/19</a:t>
+              <a:t>5/7/19</a:t>
             </a:fld>
             <a:endParaRPr lang="en-US" dirty="0"/>
           </a:p>
@@ -1434,7 +1434,7 @@
             <a:fld id="{B61BEF0D-F0BB-DE4B-95CE-6DB70DBA9567}" type="datetimeFigureOut">
               <a:rPr lang="en-US" dirty="0"/>
               <a:pPr/>
-              <a:t>4/30/19</a:t>
+              <a:t>5/7/19</a:t>
             </a:fld>
             <a:endParaRPr lang="en-US" dirty="0"/>
           </a:p>
@@ -1777,7 +1777,7 @@
             <a:fld id="{B61BEF0D-F0BB-DE4B-95CE-6DB70DBA9567}" type="datetimeFigureOut">
               <a:rPr lang="en-US" dirty="0"/>
               <a:pPr/>
-              <a:t>4/30/19</a:t>
+              <a:t>5/7/19</a:t>
             </a:fld>
             <a:endParaRPr lang="en-US" dirty="0"/>
           </a:p>
@@ -2098,7 +2098,7 @@
             <a:fld id="{B61BEF0D-F0BB-DE4B-95CE-6DB70DBA9567}" type="datetimeFigureOut">
               <a:rPr lang="en-US" dirty="0"/>
               <a:pPr/>
-              <a:t>4/30/19</a:t>
+              <a:t>5/7/19</a:t>
             </a:fld>
             <a:endParaRPr lang="en-US" dirty="0"/>
           </a:p>
@@ -2498,7 +2498,7 @@
             <a:fld id="{B61BEF0D-F0BB-DE4B-95CE-6DB70DBA9567}" type="datetimeFigureOut">
               <a:rPr lang="en-US" dirty="0"/>
               <a:pPr/>
-              <a:t>4/30/19</a:t>
+              <a:t>5/7/19</a:t>
             </a:fld>
             <a:endParaRPr lang="en-US" dirty="0"/>
           </a:p>
@@ -2640,7 +2640,7 @@
           <a:p>
             <a:fld id="{55C6B4A9-1611-4792-9094-5F34BCA07E0B}" type="datetimeFigureOut">
               <a:rPr lang="en-US" dirty="0"/>
-              <a:t>4/30/19</a:t>
+              <a:t>5/7/19</a:t>
             </a:fld>
             <a:endParaRPr lang="en-US" dirty="0"/>
           </a:p>
@@ -2792,7 +2792,7 @@
             <a:fld id="{B61BEF0D-F0BB-DE4B-95CE-6DB70DBA9567}" type="datetimeFigureOut">
               <a:rPr lang="en-US" dirty="0"/>
               <a:pPr/>
-              <a:t>4/30/19</a:t>
+              <a:t>5/7/19</a:t>
             </a:fld>
             <a:endParaRPr lang="en-US" dirty="0"/>
           </a:p>
@@ -2941,7 +2941,7 @@
             <a:fld id="{B61BEF0D-F0BB-DE4B-95CE-6DB70DBA9567}" type="datetimeFigureOut">
               <a:rPr lang="en-US" dirty="0"/>
               <a:pPr/>
-              <a:t>4/30/19</a:t>
+              <a:t>5/7/19</a:t>
             </a:fld>
             <a:endParaRPr lang="en-US" dirty="0"/>
           </a:p>
@@ -3190,7 +3190,7 @@
             <a:fld id="{B61BEF0D-F0BB-DE4B-95CE-6DB70DBA9567}" type="datetimeFigureOut">
               <a:rPr lang="en-US" dirty="0"/>
               <a:pPr/>
-              <a:t>4/30/19</a:t>
+              <a:t>5/7/19</a:t>
             </a:fld>
             <a:endParaRPr lang="en-US" dirty="0"/>
           </a:p>
@@ -3370,7 +3370,7 @@
           <a:p>
             <a:fld id="{EB712588-04B1-427B-82EE-E8DB90309F08}" type="datetimeFigureOut">
               <a:rPr lang="en-US" dirty="0"/>
-              <a:t>4/30/19</a:t>
+              <a:t>5/7/19</a:t>
             </a:fld>
             <a:endParaRPr lang="en-US" dirty="0"/>
           </a:p>
@@ -3702,7 +3702,7 @@
             <a:fld id="{B61BEF0D-F0BB-DE4B-95CE-6DB70DBA9567}" type="datetimeFigureOut">
               <a:rPr lang="en-US" dirty="0"/>
               <a:pPr/>
-              <a:t>4/30/19</a:t>
+              <a:t>5/7/19</a:t>
             </a:fld>
             <a:endParaRPr lang="en-US" dirty="0"/>
           </a:p>
@@ -3822,7 +3822,7 @@
             <a:fld id="{B61BEF0D-F0BB-DE4B-95CE-6DB70DBA9567}" type="datetimeFigureOut">
               <a:rPr lang="en-US" dirty="0"/>
               <a:pPr/>
-              <a:t>4/30/19</a:t>
+              <a:t>5/7/19</a:t>
             </a:fld>
             <a:endParaRPr lang="en-US" dirty="0"/>
           </a:p>
@@ -3914,7 +3914,7 @@
             <a:fld id="{B61BEF0D-F0BB-DE4B-95CE-6DB70DBA9567}" type="datetimeFigureOut">
               <a:rPr lang="en-US" dirty="0"/>
               <a:pPr/>
-              <a:t>4/30/19</a:t>
+              <a:t>5/7/19</a:t>
             </a:fld>
             <a:endParaRPr lang="en-US" dirty="0"/>
           </a:p>
@@ -4146,7 +4146,7 @@
           <a:p>
             <a:fld id="{42A54C80-263E-416B-A8E0-580EDEADCBDC}" type="datetimeFigureOut">
               <a:rPr lang="en-US" dirty="0"/>
-              <a:t>4/30/19</a:t>
+              <a:t>5/7/19</a:t>
             </a:fld>
             <a:endParaRPr lang="en-US" dirty="0"/>
           </a:p>
@@ -4410,7 +4410,7 @@
             <a:fld id="{B61BEF0D-F0BB-DE4B-95CE-6DB70DBA9567}" type="datetimeFigureOut">
               <a:rPr lang="en-US" dirty="0"/>
               <a:pPr/>
-              <a:t>4/30/19</a:t>
+              <a:t>5/7/19</a:t>
             </a:fld>
             <a:endParaRPr lang="en-US" dirty="0"/>
           </a:p>
@@ -5126,7 +5126,7 @@
             <a:fld id="{B61BEF0D-F0BB-DE4B-95CE-6DB70DBA9567}" type="datetimeFigureOut">
               <a:rPr lang="en-US" dirty="0"/>
               <a:pPr/>
-              <a:t>4/30/19</a:t>
+              <a:t>5/7/19</a:t>
             </a:fld>
             <a:endParaRPr lang="en-US" dirty="0"/>
           </a:p>
@@ -6443,7 +6443,7 @@
                   </a:schemeClr>
                 </a:solidFill>
               </a:rPr>
-              <a:t> отвечает всем критериям настоящего интернет-магазина. А при необходимости внести изменения, структура кода позволит сделать это максимально удобно.</a:t>
+              <a:t> отвечает всем критериям настоящего интернет-магазина. А при необходимости внести изменения структура кода позволит сделать это максимально удобно.</a:t>
             </a:r>
           </a:p>
         </p:txBody>
@@ -6834,6 +6834,14 @@
               <a:buChar char="•"/>
             </a:pPr>
             <a:r>
+              <a:rPr lang="ru-RU" dirty="0">
+                <a:solidFill>
+                  <a:srgbClr val="005DA1"/>
+                </a:solidFill>
+              </a:rPr>
+              <a:t>Работа </a:t>
+            </a:r>
+            <a:r>
               <a:rPr lang="en-US" dirty="0">
                 <a:solidFill>
                   <a:srgbClr val="005DA1"/>
@@ -7114,7 +7122,7 @@
         <p:spPr>
           <a:xfrm>
             <a:off x="440855" y="1616403"/>
-            <a:ext cx="4015531" cy="2585323"/>
+            <a:ext cx="4015531" cy="2308324"/>
           </a:xfrm>
           <a:prstGeom prst="rect">
             <a:avLst/>
@@ -7263,21 +7271,8 @@
                   <a:srgbClr val="005DA1"/>
                 </a:solidFill>
               </a:rPr>
-              <a:t>s</a:t>
-            </a:r>
-            <a:r>
-              <a:rPr lang="ru-RU" i="1" dirty="0" err="1">
-                <a:solidFill>
-                  <a:srgbClr val="005DA1"/>
-                </a:solidFill>
-              </a:rPr>
-              <a:t>hutill</a:t>
-            </a:r>
-            <a:endParaRPr lang="ru-RU" i="1" dirty="0">
-              <a:solidFill>
-                <a:srgbClr val="005DA1"/>
-              </a:solidFill>
-            </a:endParaRPr>
+              <a:t>json</a:t>
+            </a:r>
           </a:p>
           <a:p>
             <a:pPr marL="285750" indent="-285750">
@@ -7290,21 +7285,7 @@
                   <a:srgbClr val="005DA1"/>
                 </a:solidFill>
               </a:rPr>
-              <a:t>json</a:t>
-            </a:r>
-          </a:p>
-          <a:p>
-            <a:pPr marL="285750" indent="-285750">
-              <a:buFont typeface="Arial" panose="020B0604020202020204" pitchFamily="34" charset="0"/>
-              <a:buChar char="•"/>
-            </a:pPr>
-            <a:r>
-              <a:rPr lang="en-US" i="1" dirty="0">
-                <a:solidFill>
-                  <a:srgbClr val="005DA1"/>
-                </a:solidFill>
-              </a:rPr>
-              <a:t>random</a:t>
+              <a:t>datetime</a:t>
             </a:r>
           </a:p>
           <a:p>
@@ -7639,7 +7620,7 @@
         <p:spPr>
           <a:xfrm>
             <a:off x="997904" y="1689975"/>
-            <a:ext cx="6513240" cy="1523494"/>
+            <a:ext cx="6464441" cy="3031599"/>
           </a:xfrm>
           <a:prstGeom prst="rect">
             <a:avLst/>
@@ -7691,8 +7672,61 @@
                   <a:srgbClr val="005DA1"/>
                 </a:solidFill>
               </a:rPr>
-              <a:t>рассылка тем пользователям, которые на нее подписаны (изменить можно в ЛК)</a:t>
-            </a:r>
+              <a:t>рассылка тем пользователям, которые на нее подписаны (можно изменять в ЛК)</a:t>
+            </a:r>
+          </a:p>
+          <a:p>
+            <a:endParaRPr lang="en-US" sz="500" dirty="0">
+              <a:solidFill>
+                <a:srgbClr val="005DA1"/>
+              </a:solidFill>
+            </a:endParaRPr>
+          </a:p>
+          <a:p>
+            <a:pPr marL="285750" indent="-285750">
+              <a:buFont typeface="Arial" panose="020B0604020202020204" pitchFamily="34" charset="0"/>
+              <a:buChar char="•"/>
+            </a:pPr>
+            <a:r>
+              <a:rPr lang="ru-RU" sz="2200" dirty="0">
+                <a:solidFill>
+                  <a:srgbClr val="005DA1"/>
+                </a:solidFill>
+              </a:rPr>
+              <a:t>Отзывы на товары</a:t>
+            </a:r>
+          </a:p>
+          <a:p>
+            <a:endParaRPr lang="ru-RU" sz="500" dirty="0">
+              <a:solidFill>
+                <a:srgbClr val="005DA1"/>
+              </a:solidFill>
+            </a:endParaRPr>
+          </a:p>
+          <a:p>
+            <a:pPr marL="285750" indent="-285750">
+              <a:buFont typeface="Arial" panose="020B0604020202020204" pitchFamily="34" charset="0"/>
+              <a:buChar char="•"/>
+            </a:pPr>
+            <a:r>
+              <a:rPr lang="ru-RU" sz="2200" dirty="0">
+                <a:solidFill>
+                  <a:srgbClr val="005DA1"/>
+                </a:solidFill>
+              </a:rPr>
+              <a:t>Возможность форматирования описания товаров</a:t>
+            </a:r>
+          </a:p>
+          <a:p>
+            <a:pPr marL="285750" indent="-285750">
+              <a:buFont typeface="Arial" panose="020B0604020202020204" pitchFamily="34" charset="0"/>
+              <a:buChar char="•"/>
+            </a:pPr>
+            <a:endParaRPr lang="ru-RU" sz="2200" dirty="0">
+              <a:solidFill>
+                <a:srgbClr val="005DA1"/>
+              </a:solidFill>
+            </a:endParaRPr>
           </a:p>
         </p:txBody>
       </p:sp>
